--- a/Lab 10/Lab 10 bài giảng.pptx
+++ b/Lab 10/Lab 10 bài giảng.pptx
@@ -184,6 +184,65 @@
     </p:ext>
   </p:extLst>
 </p:presentation>
+</file>
+
+<file path=ppt/changesInfos/changesInfo1.xml><?xml version="1.0" encoding="utf-8"?>
+<pc:chgInfo xmlns:a="http://schemas.openxmlformats.org/drawingml/2006/main" xmlns:r="http://schemas.openxmlformats.org/officeDocument/2006/relationships" xmlns:ac="http://schemas.microsoft.com/office/drawing/2013/main/command" xmlns:pc="http://schemas.microsoft.com/office/powerpoint/2013/main/command">
+  <pc:docChgLst>
+    <pc:chgData name="Hang Anh Le" userId="afddc9ce3bd7fde8" providerId="LiveId" clId="{EEE3F095-57BA-4643-B4D4-717B474F9C2A}"/>
+    <pc:docChg chg="modSld">
+      <pc:chgData name="Hang Anh Le" userId="afddc9ce3bd7fde8" providerId="LiveId" clId="{EEE3F095-57BA-4643-B4D4-717B474F9C2A}" dt="2024-05-25T08:31:24.811" v="57" actId="20577"/>
+      <pc:docMkLst>
+        <pc:docMk/>
+      </pc:docMkLst>
+      <pc:sldChg chg="modSp mod">
+        <pc:chgData name="Hang Anh Le" userId="afddc9ce3bd7fde8" providerId="LiveId" clId="{EEE3F095-57BA-4643-B4D4-717B474F9C2A}" dt="2024-05-25T06:22:35.606" v="33" actId="20577"/>
+        <pc:sldMkLst>
+          <pc:docMk/>
+          <pc:sldMk cId="566687447" sldId="263"/>
+        </pc:sldMkLst>
+        <pc:spChg chg="mod">
+          <ac:chgData name="Hang Anh Le" userId="afddc9ce3bd7fde8" providerId="LiveId" clId="{EEE3F095-57BA-4643-B4D4-717B474F9C2A}" dt="2024-05-25T06:22:35.606" v="33" actId="20577"/>
+          <ac:spMkLst>
+            <pc:docMk/>
+            <pc:sldMk cId="566687447" sldId="263"/>
+            <ac:spMk id="3" creationId="{00000000-0000-0000-0000-000000000000}"/>
+          </ac:spMkLst>
+        </pc:spChg>
+      </pc:sldChg>
+      <pc:sldChg chg="modSp mod">
+        <pc:chgData name="Hang Anh Le" userId="afddc9ce3bd7fde8" providerId="LiveId" clId="{EEE3F095-57BA-4643-B4D4-717B474F9C2A}" dt="2024-05-25T06:25:10.797" v="53" actId="20577"/>
+        <pc:sldMkLst>
+          <pc:docMk/>
+          <pc:sldMk cId="1340241307" sldId="319"/>
+        </pc:sldMkLst>
+        <pc:spChg chg="mod">
+          <ac:chgData name="Hang Anh Le" userId="afddc9ce3bd7fde8" providerId="LiveId" clId="{EEE3F095-57BA-4643-B4D4-717B474F9C2A}" dt="2024-05-25T06:25:10.797" v="53" actId="20577"/>
+          <ac:spMkLst>
+            <pc:docMk/>
+            <pc:sldMk cId="1340241307" sldId="319"/>
+            <ac:spMk id="3" creationId="{00000000-0000-0000-0000-000000000000}"/>
+          </ac:spMkLst>
+        </pc:spChg>
+      </pc:sldChg>
+      <pc:sldChg chg="modSp mod">
+        <pc:chgData name="Hang Anh Le" userId="afddc9ce3bd7fde8" providerId="LiveId" clId="{EEE3F095-57BA-4643-B4D4-717B474F9C2A}" dt="2024-05-25T08:31:24.811" v="57" actId="20577"/>
+        <pc:sldMkLst>
+          <pc:docMk/>
+          <pc:sldMk cId="566000952" sldId="339"/>
+        </pc:sldMkLst>
+        <pc:spChg chg="mod">
+          <ac:chgData name="Hang Anh Le" userId="afddc9ce3bd7fde8" providerId="LiveId" clId="{EEE3F095-57BA-4643-B4D4-717B474F9C2A}" dt="2024-05-25T08:31:24.811" v="57" actId="20577"/>
+          <ac:spMkLst>
+            <pc:docMk/>
+            <pc:sldMk cId="566000952" sldId="339"/>
+            <ac:spMk id="3" creationId="{00000000-0000-0000-0000-000000000000}"/>
+          </ac:spMkLst>
+        </pc:spChg>
+      </pc:sldChg>
+    </pc:docChg>
+  </pc:docChgLst>
+</pc:chgInfo>
 </file>
 
 <file path=ppt/handoutMasters/handoutMaster1.xml><?xml version="1.0" encoding="utf-8"?>
@@ -4116,10 +4175,9 @@
               <a:t>GIẢI BÀI TẬP </a:t>
             </a:r>
             <a:r>
-              <a:rPr lang="en-US"/>
+              <a:rPr lang="en-US" dirty="0"/>
               <a:t>MODULE, PACKAGE</a:t>
             </a:r>
-            <a:endParaRPr lang="en-US" dirty="0"/>
           </a:p>
         </p:txBody>
       </p:sp>
@@ -8677,7 +8735,31 @@
               <a:rPr lang="vi-VN" altLang="en-US" dirty="0">
                 <a:ea typeface="Arial" charset="0"/>
               </a:rPr>
-              <a:t>Xây dựng một module có tên sohoc,py gồm các phương thức:</a:t>
+              <a:t>Xây dựng một module có tên </a:t>
+            </a:r>
+            <a:r>
+              <a:rPr lang="vi-VN" altLang="en-US" dirty="0" err="1">
+                <a:ea typeface="Arial" charset="0"/>
+              </a:rPr>
+              <a:t>sohoc</a:t>
+            </a:r>
+            <a:r>
+              <a:rPr lang="en-US" altLang="en-US" dirty="0">
+                <a:ea typeface="Arial" charset="0"/>
+              </a:rPr>
+              <a:t>2.</a:t>
+            </a:r>
+            <a:r>
+              <a:rPr lang="vi-VN" altLang="en-US" dirty="0" err="1">
+                <a:ea typeface="Arial" charset="0"/>
+              </a:rPr>
+              <a:t>py</a:t>
+            </a:r>
+            <a:r>
+              <a:rPr lang="vi-VN" altLang="en-US" dirty="0">
+                <a:ea typeface="Arial" charset="0"/>
+              </a:rPr>
+              <a:t> gồm các phương thức:</a:t>
             </a:r>
             <a:endParaRPr lang="en-US" altLang="en-US" dirty="0">
               <a:ea typeface="Arial" charset="0"/>
@@ -8775,7 +8857,37 @@
               <a:rPr lang="vi-VN" altLang="en-US" dirty="0">
                 <a:ea typeface="Arial" charset="0"/>
               </a:rPr>
-              <a:t>Viết chương trình sử dụng module sohoc.py trên.</a:t>
+              <a:t>Viết chương trình sử dụng </a:t>
+            </a:r>
+            <a:r>
+              <a:rPr lang="vi-VN" altLang="en-US" dirty="0" err="1">
+                <a:ea typeface="Arial" charset="0"/>
+              </a:rPr>
+              <a:t>module</a:t>
+            </a:r>
+            <a:r>
+              <a:rPr lang="vi-VN" altLang="en-US" dirty="0">
+                <a:ea typeface="Arial" charset="0"/>
+              </a:rPr>
+              <a:t> </a:t>
+            </a:r>
+            <a:r>
+              <a:rPr lang="vi-VN" altLang="en-US" dirty="0" err="1">
+                <a:ea typeface="Arial" charset="0"/>
+              </a:rPr>
+              <a:t>sohoc</a:t>
+            </a:r>
+            <a:r>
+              <a:rPr lang="en-US" altLang="en-US" dirty="0">
+                <a:ea typeface="Arial" charset="0"/>
+              </a:rPr>
+              <a:t>2</a:t>
+            </a:r>
+            <a:r>
+              <a:rPr lang="vi-VN" altLang="en-US" dirty="0">
+                <a:ea typeface="Arial" charset="0"/>
+              </a:rPr>
+              <a:t>.py trên.</a:t>
             </a:r>
             <a:endParaRPr lang="en-US" altLang="en-US" dirty="0">
               <a:ea typeface="Arial" charset="0"/>
@@ -18125,8 +18237,12 @@
           <a:lstStyle/>
           <a:p>
             <a:r>
+              <a:rPr lang="vi-VN" altLang="en-US" b="1" dirty="0"/>
+              <a:t>Import module</a:t>
+            </a:r>
+            <a:r>
               <a:rPr lang="vi-VN" altLang="en-US" dirty="0"/>
-              <a:t>Import module: Để sử dụng các định nghĩa trong một module, bạn cần import module đó. Có một số cách để import module:</a:t>
+              <a:t>: Để sử dụng các định nghĩa trong một module, bạn cần import module đó. Có một số cách để import module:</a:t>
             </a:r>
             <a:endParaRPr lang="en-US" altLang="en-US" dirty="0"/>
           </a:p>
@@ -18198,7 +18314,7 @@
             </a:r>
             <a:r>
               <a:rPr lang="en-US" altLang="en-US" dirty="0"/>
-              <a:t> as alias</a:t>
+              <a:t> as alias </a:t>
             </a:r>
           </a:p>
           <a:p>
@@ -18341,8 +18457,16 @@
           </a:p>
           <a:p>
             <a:r>
+              <a:rPr lang="en-US" altLang="en-US" dirty="0" err="1"/>
+              <a:t>i</a:t>
+            </a:r>
+            <a:r>
+              <a:rPr lang="vi-VN" altLang="en-US" dirty="0" err="1"/>
+              <a:t>mport</a:t>
+            </a:r>
+            <a:r>
               <a:rPr lang="vi-VN" altLang="en-US" dirty="0"/>
-              <a:t>mport module từ thư mục khác: Nếu module của bạn không nằm trong cùng thư mục với chương trình Python hiện tại, bạn có thể sử dụng các cách import module từ thư mục khác như sys.path.append() hoặc sys.path.insert().</a:t>
+              <a:t> module từ thư mục khác: Nếu module của bạn không nằm trong cùng thư mục với chương trình Python hiện tại, bạn có thể sử dụng các cách import module từ thư mục khác như sys.path.append() hoặc sys.path.insert().</a:t>
             </a:r>
           </a:p>
         </p:txBody>
@@ -18969,7 +19093,7 @@
             </a:r>
             <a:r>
               <a:rPr lang="en-US" altLang="en-US" dirty="0"/>
-              <a:t> file __init__.py: </a:t>
+              <a:t> file __init__.py:   </a:t>
             </a:r>
           </a:p>
           <a:p>
